--- a/database/slides/WE_OFFER_YOU.pptx
+++ b/database/slides/WE_OFFER_YOU.pptx
@@ -15726,6 +15726,17 @@
               <a:buNone/>
             </a:pPr>
             <a:r>
+              <a:rPr lang="en-GB" sz="3600" b="1" i="1">
+                <a:solidFill>
+                  <a:schemeClr val="bg1"/>
+                </a:solidFill>
+                <a:latin typeface="Calibri" panose="020F0502020204030204" pitchFamily="34" charset="0"/>
+                <a:ea typeface="Calibri" panose="020F0502020204030204" pitchFamily="34" charset="0"/>
+                <a:cs typeface="Calibri" panose="020F0502020204030204" pitchFamily="34" charset="0"/>
+              </a:rPr>
+              <a:t>Coda: </a:t>
+            </a:r>
+            <a:r>
               <a:rPr lang="en-GB" sz="3600" b="1" i="1" dirty="0">
                 <a:solidFill>
                   <a:schemeClr val="bg1"/>
@@ -15734,7 +15745,7 @@
                 <a:ea typeface="Calibri" panose="020F0502020204030204" pitchFamily="34" charset="0"/>
                 <a:cs typeface="Calibri" panose="020F0502020204030204" pitchFamily="34" charset="0"/>
               </a:rPr>
-              <a:t>Code: O Lord, take all we have, O Lord</a:t>
+              <a:t>O Lord, take all we have, O Lord</a:t>
             </a:r>
           </a:p>
         </p:txBody>

--- a/database/slides/WE_OFFER_YOU.pptx
+++ b/database/slides/WE_OFFER_YOU.pptx
@@ -15587,7 +15587,29 @@
                 <a:ea typeface="Calibri" panose="020F0502020204030204" pitchFamily="34" charset="0"/>
                 <a:cs typeface="Calibri" panose="020F0502020204030204" pitchFamily="34" charset="0"/>
               </a:rPr>
-              <a:t>Make them worthy of you love,</a:t>
+              <a:t>Make them worthy </a:t>
+            </a:r>
+            <a:r>
+              <a:rPr lang="en-GB" sz="3600" b="1">
+                <a:solidFill>
+                  <a:schemeClr val="bg1"/>
+                </a:solidFill>
+                <a:latin typeface="Calibri" panose="020F0502020204030204" pitchFamily="34" charset="0"/>
+                <a:ea typeface="Calibri" panose="020F0502020204030204" pitchFamily="34" charset="0"/>
+                <a:cs typeface="Calibri" panose="020F0502020204030204" pitchFamily="34" charset="0"/>
+              </a:rPr>
+              <a:t>of your </a:t>
+            </a:r>
+            <a:r>
+              <a:rPr lang="en-GB" sz="3600" b="1" dirty="0">
+                <a:solidFill>
+                  <a:schemeClr val="bg1"/>
+                </a:solidFill>
+                <a:latin typeface="Calibri" panose="020F0502020204030204" pitchFamily="34" charset="0"/>
+                <a:ea typeface="Calibri" panose="020F0502020204030204" pitchFamily="34" charset="0"/>
+                <a:cs typeface="Calibri" panose="020F0502020204030204" pitchFamily="34" charset="0"/>
+              </a:rPr>
+              <a:t>love,</a:t>
             </a:r>
           </a:p>
           <a:p>
@@ -15726,17 +15748,6 @@
               <a:buNone/>
             </a:pPr>
             <a:r>
-              <a:rPr lang="en-GB" sz="3600" b="1" i="1">
-                <a:solidFill>
-                  <a:schemeClr val="bg1"/>
-                </a:solidFill>
-                <a:latin typeface="Calibri" panose="020F0502020204030204" pitchFamily="34" charset="0"/>
-                <a:ea typeface="Calibri" panose="020F0502020204030204" pitchFamily="34" charset="0"/>
-                <a:cs typeface="Calibri" panose="020F0502020204030204" pitchFamily="34" charset="0"/>
-              </a:rPr>
-              <a:t>Coda: </a:t>
-            </a:r>
-            <a:r>
               <a:rPr lang="en-GB" sz="3600" b="1" i="1" dirty="0">
                 <a:solidFill>
                   <a:schemeClr val="bg1"/>
@@ -15745,7 +15756,7 @@
                 <a:ea typeface="Calibri" panose="020F0502020204030204" pitchFamily="34" charset="0"/>
                 <a:cs typeface="Calibri" panose="020F0502020204030204" pitchFamily="34" charset="0"/>
               </a:rPr>
-              <a:t>O Lord, take all we have, O Lord</a:t>
+              <a:t>Coda: O Lord, take all we have, O Lord</a:t>
             </a:r>
           </a:p>
         </p:txBody>
